--- a/ppt_of_sprint/sprint4.pptx
+++ b/ppt_of_sprint/sprint4.pptx
@@ -7,8 +7,8 @@
   <p:sldIdLst>
     <p:sldId id="256" r:id="rId2"/>
     <p:sldId id="257" r:id="rId3"/>
-    <p:sldId id="258" r:id="rId4"/>
-    <p:sldId id="259" r:id="rId5"/>
+    <p:sldId id="260" r:id="rId4"/>
+    <p:sldId id="261" r:id="rId5"/>
   </p:sldIdLst>
   <p:sldSz cx="9144000" cy="6858000" type="screen4x3"/>
   <p:notesSz cx="6858000" cy="9144000"/>
@@ -7718,11 +7718,7 @@
             </a:br>
             <a:r>
               <a:rPr lang="zh-CN" altLang="en-US" sz="3200" dirty="0" smtClean="0"/>
-              <a:t>第四次</a:t>
-            </a:r>
-            <a:r>
-              <a:rPr lang="zh-CN" altLang="en-US" sz="3200" dirty="0" smtClean="0"/>
-              <a:t>迭代成果展示</a:t>
+              <a:t>第四次迭代成果展示</a:t>
             </a:r>
             <a:endParaRPr lang="zh-CN" altLang="en-US" sz="3200" dirty="0"/>
           </a:p>
@@ -7848,15 +7844,7 @@
           <a:p>
             <a:r>
               <a:rPr lang="zh-CN" altLang="en-US" dirty="0" smtClean="0"/>
-              <a:t>第四次</a:t>
-            </a:r>
-            <a:r>
-              <a:rPr lang="zh-CN" altLang="en-US" dirty="0" smtClean="0"/>
-              <a:t>迭代计划</a:t>
-            </a:r>
-            <a:r>
-              <a:rPr lang="zh-CN" altLang="en-US" dirty="0" smtClean="0"/>
-              <a:t>任务</a:t>
+              <a:t>第四次迭代计划任务</a:t>
             </a:r>
             <a:endParaRPr lang="zh-CN" altLang="en-US" sz="3200" dirty="0"/>
           </a:p>
@@ -7875,7 +7863,7 @@
         <p:spPr>
           <a:xfrm>
             <a:off x="982133" y="1900864"/>
-            <a:ext cx="7704667" cy="4057250"/>
+            <a:ext cx="7704667" cy="4281822"/>
           </a:xfrm>
         </p:spPr>
         <p:txBody>
@@ -7884,6 +7872,11 @@
           </a:bodyPr>
           <a:lstStyle/>
           <a:p>
+            <a:pPr>
+              <a:lnSpc>
+                <a:spcPct val="200000"/>
+              </a:lnSpc>
+            </a:pPr>
             <a:r>
               <a:rPr lang="zh-CN" altLang="en-US" sz="2400" dirty="0" smtClean="0"/>
               <a:t>分工：</a:t>
@@ -7891,6 +7884,11 @@
             <a:endParaRPr lang="en-US" altLang="zh-CN" sz="2400" dirty="0" smtClean="0"/>
           </a:p>
           <a:p>
+            <a:pPr>
+              <a:lnSpc>
+                <a:spcPct val="200000"/>
+              </a:lnSpc>
+            </a:pPr>
             <a:r>
               <a:rPr lang="zh-CN" altLang="en-US" sz="2400" dirty="0" smtClean="0"/>
               <a:t>维修部分：殷达</a:t>
@@ -7898,6 +7896,11 @@
             <a:endParaRPr lang="en-US" altLang="zh-CN" sz="2400" dirty="0" smtClean="0"/>
           </a:p>
           <a:p>
+            <a:pPr>
+              <a:lnSpc>
+                <a:spcPct val="200000"/>
+              </a:lnSpc>
+            </a:pPr>
             <a:r>
               <a:rPr lang="en-US" altLang="zh-CN" sz="2400" dirty="0" smtClean="0"/>
               <a:t>EXCEL</a:t>
@@ -7909,6 +7912,11 @@
             <a:endParaRPr lang="en-US" altLang="zh-CN" sz="2400" dirty="0" smtClean="0"/>
           </a:p>
           <a:p>
+            <a:pPr>
+              <a:lnSpc>
+                <a:spcPct val="200000"/>
+              </a:lnSpc>
+            </a:pPr>
             <a:r>
               <a:rPr lang="zh-CN" altLang="en-US" sz="2400" dirty="0" smtClean="0"/>
               <a:t>前端界面优化及</a:t>
@@ -7924,6 +7932,11 @@
             <a:endParaRPr lang="en-US" altLang="zh-CN" sz="2400" dirty="0" smtClean="0"/>
           </a:p>
           <a:p>
+            <a:pPr>
+              <a:lnSpc>
+                <a:spcPct val="200000"/>
+              </a:lnSpc>
+            </a:pPr>
             <a:r>
               <a:rPr lang="zh-CN" altLang="en-US" sz="2400" dirty="0" smtClean="0"/>
               <a:t>挂失与归还：叶方丹</a:t>
@@ -7981,52 +7994,44 @@
         </p:nvSpPr>
         <p:spPr/>
         <p:txBody>
-          <a:bodyPr vert="horz" lIns="91440" tIns="45720" rIns="91440" bIns="45720" rtlCol="0" anchor="t">
+          <a:bodyPr/>
+          <a:lstStyle/>
+          <a:p>
+            <a:r>
+              <a:rPr lang="zh-CN" altLang="en-US" dirty="0" smtClean="0"/>
+              <a:t>第四次迭代计划任务</a:t>
+            </a:r>
+            <a:endParaRPr lang="zh-CN" altLang="en-US" sz="3200" dirty="0"/>
+          </a:p>
+        </p:txBody>
+      </p:sp>
+      <p:sp>
+        <p:nvSpPr>
+          <p:cNvPr id="3" name="内容占位符 2"/>
+          <p:cNvSpPr>
+            <a:spLocks noGrp="1"/>
+          </p:cNvSpPr>
+          <p:nvPr>
+            <p:ph idx="1"/>
+          </p:nvPr>
+        </p:nvSpPr>
+        <p:spPr>
+          <a:xfrm>
+            <a:off x="982133" y="1900863"/>
+            <a:ext cx="7704667" cy="4357323"/>
+          </a:xfrm>
+        </p:spPr>
+        <p:txBody>
+          <a:bodyPr>
             <a:normAutofit/>
           </a:bodyPr>
           <a:lstStyle/>
           <a:p>
-            <a:r>
-              <a:rPr lang="zh-CN" altLang="en-US" dirty="0"/>
-              <a:t>第四次</a:t>
-            </a:r>
-            <a:r>
-              <a:rPr lang="zh-CN" altLang="en-US" dirty="0"/>
-              <a:t>迭代计划任务</a:t>
-            </a:r>
-            <a:r>
-              <a:rPr lang="en-US" altLang="zh-CN" dirty="0"/>
-              <a:t/>
-            </a:r>
-            <a:br>
-              <a:rPr lang="en-US" altLang="zh-CN" dirty="0"/>
-            </a:br>
-            <a:endParaRPr lang="zh-CN" altLang="en-US" dirty="0"/>
-          </a:p>
-        </p:txBody>
-      </p:sp>
-      <p:sp>
-        <p:nvSpPr>
-          <p:cNvPr id="3" name="内容占位符 2"/>
-          <p:cNvSpPr>
-            <a:spLocks noGrp="1"/>
-          </p:cNvSpPr>
-          <p:nvPr>
-            <p:ph idx="1"/>
-          </p:nvPr>
-        </p:nvSpPr>
-        <p:spPr>
-          <a:xfrm>
-            <a:off x="982133" y="2700670"/>
-            <a:ext cx="7704667" cy="2190644"/>
-          </a:xfrm>
-        </p:spPr>
-        <p:txBody>
-          <a:bodyPr vert="horz" lIns="91440" tIns="45720" rIns="91440" bIns="45720" rtlCol="0">
-            <a:normAutofit lnSpcReduction="10000"/>
-          </a:bodyPr>
-          <a:lstStyle/>
-          <a:p>
+            <a:pPr>
+              <a:lnSpc>
+                <a:spcPct val="200000"/>
+              </a:lnSpc>
+            </a:pPr>
             <a:r>
               <a:rPr lang="zh-CN" altLang="en-US" sz="2400" dirty="0"/>
               <a:t>计划任务完成情况：</a:t>
@@ -8034,38 +8039,49 @@
             <a:endParaRPr lang="en-US" altLang="zh-CN" sz="2400" dirty="0"/>
           </a:p>
           <a:p>
+            <a:pPr>
+              <a:lnSpc>
+                <a:spcPct val="200000"/>
+              </a:lnSpc>
+            </a:pPr>
             <a:r>
               <a:rPr lang="en-US" altLang="zh-CN" sz="2400" dirty="0"/>
-              <a:t>1</a:t>
-            </a:r>
-            <a:r>
-              <a:rPr lang="en-US" altLang="zh-CN" sz="2400" dirty="0" smtClean="0"/>
-              <a:t>.</a:t>
-            </a:r>
-            <a:r>
-              <a:rPr lang="zh-CN" altLang="en-US" sz="2400" dirty="0" smtClean="0"/>
+              <a:t>1.</a:t>
+            </a:r>
+            <a:r>
+              <a:rPr lang="zh-CN" altLang="en-US" sz="2400" dirty="0"/>
               <a:t>维修功能完成</a:t>
             </a:r>
-            <a:endParaRPr lang="en-US" altLang="zh-CN" sz="2400" dirty="0" smtClean="0"/>
-          </a:p>
-          <a:p>
-            <a:r>
-              <a:rPr lang="en-US" altLang="zh-CN" sz="2400" dirty="0" smtClean="0"/>
+            <a:endParaRPr lang="en-US" altLang="zh-CN" sz="2400" dirty="0"/>
+          </a:p>
+          <a:p>
+            <a:pPr>
+              <a:lnSpc>
+                <a:spcPct val="200000"/>
+              </a:lnSpc>
+            </a:pPr>
+            <a:r>
+              <a:rPr lang="en-US" altLang="zh-CN" sz="2400" dirty="0"/>
               <a:t>2.Excel</a:t>
             </a:r>
             <a:r>
-              <a:rPr lang="zh-CN" altLang="en-US" sz="2400" dirty="0" smtClean="0"/>
+              <a:rPr lang="zh-CN" altLang="en-US" sz="2400" dirty="0"/>
               <a:t>与数据库导入导出功能完成</a:t>
             </a:r>
-            <a:endParaRPr lang="en-US" altLang="zh-CN" sz="2400" dirty="0" smtClean="0"/>
-          </a:p>
-          <a:p>
-            <a:r>
-              <a:rPr lang="en-US" altLang="zh-CN" sz="2400" dirty="0" smtClean="0"/>
+            <a:endParaRPr lang="en-US" altLang="zh-CN" sz="2400" dirty="0"/>
+          </a:p>
+          <a:p>
+            <a:pPr>
+              <a:lnSpc>
+                <a:spcPct val="200000"/>
+              </a:lnSpc>
+            </a:pPr>
+            <a:r>
+              <a:rPr lang="en-US" altLang="zh-CN" sz="2400" dirty="0"/>
               <a:t>3.</a:t>
             </a:r>
             <a:r>
-              <a:rPr lang="zh-CN" altLang="en-US" sz="2400" dirty="0" smtClean="0"/>
+              <a:rPr lang="zh-CN" altLang="en-US" sz="2400" dirty="0"/>
               <a:t>修改了计算资源部分的前端，统一了整个网站的界面风格</a:t>
             </a:r>
             <a:endParaRPr lang="en-US" altLang="zh-CN" sz="2400" dirty="0"/>
@@ -8075,7 +8091,7 @@
     </p:spTree>
     <p:extLst>
       <p:ext uri="{BB962C8B-B14F-4D97-AF65-F5344CB8AC3E}">
-        <p14:creationId xmlns:p14="http://schemas.microsoft.com/office/powerpoint/2010/main" val="3869806364"/>
+        <p14:creationId xmlns:p14="http://schemas.microsoft.com/office/powerpoint/2010/main" val="377810859"/>
       </p:ext>
     </p:extLst>
   </p:cSld>
@@ -8125,10 +8141,10 @@
           <a:lstStyle/>
           <a:p>
             <a:r>
-              <a:rPr lang="zh-CN" altLang="en-US" dirty="0" smtClean="0"/>
+              <a:rPr lang="zh-CN" altLang="en-US" dirty="0"/>
               <a:t>完成的额外任务</a:t>
             </a:r>
-            <a:endParaRPr lang="zh-CN" altLang="en-US" dirty="0"/>
+            <a:endParaRPr lang="zh-CN" altLang="en-US" sz="3200" dirty="0"/>
           </a:p>
         </p:txBody>
       </p:sp>
@@ -8144,8 +8160,8 @@
         </p:nvSpPr>
         <p:spPr>
           <a:xfrm>
-            <a:off x="982133" y="2147777"/>
-            <a:ext cx="7704667" cy="3852039"/>
+            <a:off x="982133" y="1900863"/>
+            <a:ext cx="7704667" cy="4340545"/>
           </a:xfrm>
         </p:spPr>
         <p:txBody>
@@ -8156,81 +8172,76 @@
           <a:p>
             <a:pPr>
               <a:lnSpc>
-                <a:spcPct val="150000"/>
+                <a:spcPct val="200000"/>
               </a:lnSpc>
             </a:pPr>
             <a:r>
-              <a:rPr lang="en-US" altLang="zh-CN" sz="2400" dirty="0" smtClean="0"/>
-              <a:t>1</a:t>
-            </a:r>
-            <a:r>
-              <a:rPr lang="en-US" altLang="zh-CN" sz="2400" dirty="0" smtClean="0"/>
-              <a:t>.</a:t>
-            </a:r>
-            <a:r>
-              <a:rPr lang="zh-CN" altLang="en-US" sz="2400" dirty="0" smtClean="0"/>
+              <a:rPr lang="en-US" altLang="zh-CN" sz="2400" dirty="0"/>
+              <a:t>1.</a:t>
+            </a:r>
+            <a:r>
+              <a:rPr lang="zh-CN" altLang="en-US" sz="2400" dirty="0"/>
               <a:t>为部分按钮添加二次确认的功能</a:t>
             </a:r>
-            <a:endParaRPr lang="en-US" altLang="zh-CN" sz="2400" dirty="0" smtClean="0"/>
+            <a:endParaRPr lang="en-US" altLang="zh-CN" sz="2400" dirty="0"/>
           </a:p>
           <a:p>
             <a:pPr>
               <a:lnSpc>
-                <a:spcPct val="150000"/>
+                <a:spcPct val="200000"/>
               </a:lnSpc>
             </a:pPr>
             <a:r>
-              <a:rPr lang="en-US" altLang="zh-CN" sz="2400" dirty="0" smtClean="0"/>
+              <a:rPr lang="en-US" altLang="zh-CN" sz="2400" dirty="0"/>
               <a:t>2.</a:t>
             </a:r>
             <a:r>
-              <a:rPr lang="zh-CN" altLang="en-US" sz="2400" dirty="0" smtClean="0"/>
+              <a:rPr lang="zh-CN" altLang="en-US" sz="2400" dirty="0"/>
               <a:t>分离了一期项目中的挂失与归还部分，为已挂失物品添加“找回物品”按钮</a:t>
             </a:r>
-            <a:endParaRPr lang="en-US" altLang="zh-CN" sz="2400" dirty="0" smtClean="0"/>
+            <a:endParaRPr lang="en-US" altLang="zh-CN" sz="2400" dirty="0"/>
           </a:p>
           <a:p>
             <a:pPr>
               <a:lnSpc>
-                <a:spcPct val="150000"/>
+                <a:spcPct val="200000"/>
               </a:lnSpc>
             </a:pPr>
             <a:r>
-              <a:rPr lang="en-US" altLang="zh-CN" sz="2400" dirty="0" smtClean="0"/>
+              <a:rPr lang="en-US" altLang="zh-CN" sz="2400" dirty="0"/>
               <a:t>3.</a:t>
             </a:r>
             <a:r>
-              <a:rPr lang="zh-CN" altLang="en-US" sz="2400" dirty="0" smtClean="0"/>
+              <a:rPr lang="zh-CN" altLang="en-US" sz="2400" dirty="0"/>
               <a:t>修复了部分一期</a:t>
             </a:r>
             <a:r>
-              <a:rPr lang="en-US" altLang="zh-CN" sz="2400" dirty="0" smtClean="0"/>
+              <a:rPr lang="en-US" altLang="zh-CN" sz="2400" dirty="0"/>
               <a:t>bug</a:t>
             </a:r>
-            <a:endParaRPr lang="en-US" altLang="zh-CN" sz="2400" dirty="0"/>
           </a:p>
           <a:p>
             <a:pPr>
               <a:lnSpc>
-                <a:spcPct val="150000"/>
+                <a:spcPct val="200000"/>
               </a:lnSpc>
             </a:pPr>
             <a:r>
-              <a:rPr lang="en-US" altLang="zh-CN" sz="2400" dirty="0" smtClean="0"/>
+              <a:rPr lang="en-US" altLang="zh-CN" sz="2400" dirty="0"/>
               <a:t>4.</a:t>
             </a:r>
             <a:r>
-              <a:rPr lang="zh-CN" altLang="en-US" sz="2400" dirty="0" smtClean="0"/>
+              <a:rPr lang="zh-CN" altLang="en-US" sz="2400" dirty="0"/>
               <a:t>为一些常用界面添加回车响应</a:t>
             </a:r>
-            <a:endParaRPr lang="en-US" altLang="zh-CN" sz="2400" dirty="0" smtClean="0"/>
+            <a:endParaRPr lang="en-US" altLang="zh-CN" sz="2400" dirty="0"/>
           </a:p>
         </p:txBody>
       </p:sp>
     </p:spTree>
     <p:extLst>
       <p:ext uri="{BB962C8B-B14F-4D97-AF65-F5344CB8AC3E}">
-        <p14:creationId xmlns:p14="http://schemas.microsoft.com/office/powerpoint/2010/main" val="1296753519"/>
+        <p14:creationId xmlns:p14="http://schemas.microsoft.com/office/powerpoint/2010/main" val="1710416124"/>
       </p:ext>
     </p:extLst>
   </p:cSld>
@@ -8255,7 +8266,7 @@
         <a:sysClr val="windowText" lastClr="000000"/>
       </a:dk1>
       <a:lt1>
-        <a:sysClr val="window" lastClr="FFFFFF"/>
+        <a:sysClr val="window" lastClr="C7EDCC"/>
       </a:lt1>
       <a:dk2>
         <a:srgbClr val="632E62"/>
